--- a/CA Workload Automation v25.pptx
+++ b/CA Workload Automation v25.pptx
@@ -13842,7 +13842,7 @@
             <a:pPr eaLnBrk="1" hangingPunct="1"/>
             <a:r>
               <a:rPr lang="en-US"/>
-              <a:t>summary</a:t>
+              <a:t>Summary</a:t>
             </a:r>
             <a:endParaRPr lang="en-US" dirty="0"/>
           </a:p>
@@ -17754,7 +17754,7 @@
           <a:graphicData uri="http://schemas.openxmlformats.org/presentationml/2006/ole">
             <mc:AlternateContent xmlns:mc="http://schemas.openxmlformats.org/markup-compatibility/2006">
               <mc:Choice xmlns:v="urn:schemas-microsoft-com:vml" Requires="v">
-                <p:oleObj spid="_x0000_s2161" r:id="rId26" imgW="1025495" imgH="1344538" progId="">
+                <p:oleObj spid="_x0000_s2164" r:id="rId26" imgW="1025495" imgH="1344538" progId="">
                   <p:embed/>
                 </p:oleObj>
               </mc:Choice>
@@ -17825,7 +17825,7 @@
           <a:graphicData uri="http://schemas.openxmlformats.org/presentationml/2006/ole">
             <mc:AlternateContent xmlns:mc="http://schemas.openxmlformats.org/markup-compatibility/2006">
               <mc:Choice xmlns:v="urn:schemas-microsoft-com:vml" Requires="v">
-                <p:oleObj spid="_x0000_s2162" name="Visio" r:id="rId28" imgW="1032437" imgH="1354573" progId="Visio.Drawing.11">
+                <p:oleObj spid="_x0000_s2165" name="Visio" r:id="rId28" imgW="1032437" imgH="1354573" progId="Visio.Drawing.11">
                   <p:embed/>
                 </p:oleObj>
               </mc:Choice>
@@ -17914,7 +17914,7 @@
           <a:graphicData uri="http://schemas.openxmlformats.org/presentationml/2006/ole">
             <mc:AlternateContent xmlns:mc="http://schemas.openxmlformats.org/markup-compatibility/2006">
               <mc:Choice xmlns:v="urn:schemas-microsoft-com:vml" Requires="v">
-                <p:oleObj spid="_x0000_s2163" r:id="rId30" imgW="1025495" imgH="1344538" progId="">
+                <p:oleObj spid="_x0000_s2166" r:id="rId30" imgW="1025495" imgH="1344538" progId="">
                   <p:embed/>
                 </p:oleObj>
               </mc:Choice>
